--- a/doc/user/res/dissemination/2011-04-12-CellmlWorkshop2011-Auckland-NewZealand.pptx
+++ b/doc/user/res/dissemination/2011-04-12-CellmlWorkshop2011-Auckland-NewZealand.pptx
@@ -5754,7 +5754,7 @@
               <a:defRPr/>
             </a:pPr>
             <a:r>
-              <a:rPr lang="en-GB" sz="9600" b="1" dirty="0" err="1" smtClean="0">
+              <a:rPr lang="en-GB" sz="9600" b="1" smtClean="0">
                 <a:solidFill>
                   <a:srgbClr val="003052"/>
                 </a:solidFill>
